--- a/Graphs/Distances/Dijkstra by Dan Veronica/Dijkstra's algortihm (1).pptx
+++ b/Graphs/Distances/Dijkstra by Dan Veronica/Dijkstra's algortihm (1).pptx
@@ -170,6 +170,7 @@
           </a:p>
         </c:rich>
       </c:tx>
+      <c:layout/>
       <c:overlay val="0"/>
       <c:spPr>
         <a:noFill/>
@@ -361,11 +362,11 @@
           <c:showPercent val="0"/>
           <c:showBubbleSize val="0"/>
         </c:dLbls>
-        <c:axId val="233584136"/>
-        <c:axId val="233585704"/>
+        <c:axId val="209155536"/>
+        <c:axId val="209155928"/>
       </c:scatterChart>
       <c:valAx>
-        <c:axId val="233584136"/>
+        <c:axId val="209155536"/>
         <c:scaling>
           <c:orientation val="minMax"/>
         </c:scaling>
@@ -375,12 +376,12 @@
         <c:majorTickMark val="none"/>
         <c:minorTickMark val="none"/>
         <c:tickLblPos val="none"/>
-        <c:crossAx val="233585704"/>
+        <c:crossAx val="209155928"/>
         <c:crosses val="autoZero"/>
         <c:crossBetween val="midCat"/>
       </c:valAx>
       <c:valAx>
-        <c:axId val="233585704"/>
+        <c:axId val="209155928"/>
         <c:scaling>
           <c:orientation val="minMax"/>
           <c:max val="1"/>
@@ -433,7 +434,7 @@
             <a:endParaRPr lang="ro-RO"/>
           </a:p>
         </c:txPr>
-        <c:crossAx val="233584136"/>
+        <c:crossAx val="209155536"/>
         <c:crosses val="autoZero"/>
         <c:crossBetween val="midCat"/>
         <c:majorUnit val="9.0000000000000038E-2"/>
@@ -448,6 +449,7 @@
     </c:plotArea>
     <c:legend>
       <c:legendPos val="b"/>
+      <c:layout/>
       <c:overlay val="0"/>
       <c:spPr>
         <a:noFill/>
@@ -549,6 +551,7 @@
           </a:p>
         </c:rich>
       </c:tx>
+      <c:layout/>
       <c:overlay val="0"/>
       <c:spPr>
         <a:noFill/>
@@ -746,11 +749,11 @@
           <c:showPercent val="0"/>
           <c:showBubbleSize val="0"/>
         </c:dLbls>
-        <c:axId val="233766160"/>
-        <c:axId val="233768120"/>
+        <c:axId val="209153576"/>
+        <c:axId val="209154752"/>
       </c:scatterChart>
       <c:valAx>
-        <c:axId val="233766160"/>
+        <c:axId val="209153576"/>
         <c:scaling>
           <c:orientation val="minMax"/>
         </c:scaling>
@@ -760,12 +763,12 @@
         <c:majorTickMark val="none"/>
         <c:minorTickMark val="none"/>
         <c:tickLblPos val="none"/>
-        <c:crossAx val="233768120"/>
+        <c:crossAx val="209154752"/>
         <c:crosses val="autoZero"/>
         <c:crossBetween val="midCat"/>
       </c:valAx>
       <c:valAx>
-        <c:axId val="233768120"/>
+        <c:axId val="209154752"/>
         <c:scaling>
           <c:orientation val="minMax"/>
           <c:max val="1"/>
@@ -818,7 +821,7 @@
             <a:endParaRPr lang="ro-RO"/>
           </a:p>
         </c:txPr>
-        <c:crossAx val="233766160"/>
+        <c:crossAx val="209153576"/>
         <c:crosses val="autoZero"/>
         <c:crossBetween val="midCat"/>
         <c:majorUnit val="9.0000000000000024E-2"/>
@@ -833,6 +836,7 @@
     </c:plotArea>
     <c:legend>
       <c:legendPos val="b"/>
+      <c:layout/>
       <c:overlay val="0"/>
       <c:spPr>
         <a:noFill/>
@@ -1135,7 +1139,7 @@
             <a:fld id="{B61BEF0D-F0BB-DE4B-95CE-6DB70DBA9567}" type="datetimeFigureOut">
               <a:rPr lang="en-US" dirty="0"/>
               <a:pPr/>
-              <a:t>4/14/2014</a:t>
+              <a:t>4/15/2014</a:t>
             </a:fld>
             <a:endParaRPr lang="en-US" dirty="0"/>
           </a:p>
@@ -1394,7 +1398,7 @@
             <a:fld id="{B61BEF0D-F0BB-DE4B-95CE-6DB70DBA9567}" type="datetimeFigureOut">
               <a:rPr lang="en-US" dirty="0"/>
               <a:pPr/>
-              <a:t>4/14/2014</a:t>
+              <a:t>4/15/2014</a:t>
             </a:fld>
             <a:endParaRPr lang="en-US" dirty="0"/>
           </a:p>
@@ -1626,7 +1630,7 @@
             <a:fld id="{B61BEF0D-F0BB-DE4B-95CE-6DB70DBA9567}" type="datetimeFigureOut">
               <a:rPr lang="en-US" dirty="0"/>
               <a:pPr/>
-              <a:t>4/14/2014</a:t>
+              <a:t>4/15/2014</a:t>
             </a:fld>
             <a:endParaRPr lang="en-US" dirty="0"/>
           </a:p>
@@ -1863,7 +1867,7 @@
             <a:fld id="{B61BEF0D-F0BB-DE4B-95CE-6DB70DBA9567}" type="datetimeFigureOut">
               <a:rPr lang="en-US" dirty="0"/>
               <a:pPr/>
-              <a:t>4/14/2014</a:t>
+              <a:t>4/15/2014</a:t>
             </a:fld>
             <a:endParaRPr lang="en-US" dirty="0"/>
           </a:p>
@@ -2167,7 +2171,7 @@
             <a:fld id="{B61BEF0D-F0BB-DE4B-95CE-6DB70DBA9567}" type="datetimeFigureOut">
               <a:rPr lang="en-US" dirty="0"/>
               <a:pPr/>
-              <a:t>4/14/2014</a:t>
+              <a:t>4/15/2014</a:t>
             </a:fld>
             <a:endParaRPr lang="en-US" dirty="0"/>
           </a:p>
@@ -2466,7 +2470,7 @@
             <a:fld id="{B61BEF0D-F0BB-DE4B-95CE-6DB70DBA9567}" type="datetimeFigureOut">
               <a:rPr lang="en-US" dirty="0"/>
               <a:pPr/>
-              <a:t>4/14/2014</a:t>
+              <a:t>4/15/2014</a:t>
             </a:fld>
             <a:endParaRPr lang="en-US" dirty="0"/>
           </a:p>
@@ -2885,7 +2889,7 @@
             <a:fld id="{B61BEF0D-F0BB-DE4B-95CE-6DB70DBA9567}" type="datetimeFigureOut">
               <a:rPr lang="en-US" dirty="0"/>
               <a:pPr/>
-              <a:t>4/14/2014</a:t>
+              <a:t>4/15/2014</a:t>
             </a:fld>
             <a:endParaRPr lang="en-US" dirty="0"/>
           </a:p>
@@ -3044,7 +3048,7 @@
             <a:fld id="{B61BEF0D-F0BB-DE4B-95CE-6DB70DBA9567}" type="datetimeFigureOut">
               <a:rPr lang="en-US" dirty="0"/>
               <a:pPr/>
-              <a:t>4/14/2014</a:t>
+              <a:t>4/15/2014</a:t>
             </a:fld>
             <a:endParaRPr lang="en-US" dirty="0"/>
           </a:p>
@@ -3136,7 +3140,7 @@
             <a:fld id="{B61BEF0D-F0BB-DE4B-95CE-6DB70DBA9567}" type="datetimeFigureOut">
               <a:rPr lang="en-US" dirty="0"/>
               <a:pPr/>
-              <a:t>4/14/2014</a:t>
+              <a:t>4/15/2014</a:t>
             </a:fld>
             <a:endParaRPr lang="en-US" dirty="0"/>
           </a:p>
@@ -3511,7 +3515,7 @@
             <a:fld id="{B61BEF0D-F0BB-DE4B-95CE-6DB70DBA9567}" type="datetimeFigureOut">
               <a:rPr lang="en-US" dirty="0"/>
               <a:pPr/>
-              <a:t>4/14/2014</a:t>
+              <a:t>4/15/2014</a:t>
             </a:fld>
             <a:endParaRPr lang="en-US" dirty="0"/>
           </a:p>
@@ -3797,7 +3801,7 @@
             <a:fld id="{B61BEF0D-F0BB-DE4B-95CE-6DB70DBA9567}" type="datetimeFigureOut">
               <a:rPr lang="en-US" dirty="0"/>
               <a:pPr/>
-              <a:t>4/14/2014</a:t>
+              <a:t>4/15/2014</a:t>
             </a:fld>
             <a:endParaRPr lang="en-US" dirty="0"/>
           </a:p>
@@ -4005,7 +4009,7 @@
             <a:fld id="{B61BEF0D-F0BB-DE4B-95CE-6DB70DBA9567}" type="datetimeFigureOut">
               <a:rPr lang="en-US" dirty="0"/>
               <a:pPr/>
-              <a:t>4/14/2014</a:t>
+              <a:t>4/15/2014</a:t>
             </a:fld>
             <a:endParaRPr lang="en-US" dirty="0"/>
           </a:p>
@@ -4664,19 +4668,21 @@
         </p:nvSpPr>
         <p:spPr>
           <a:xfrm>
-            <a:off x="545125" y="-201791"/>
+            <a:off x="455623" y="-414199"/>
             <a:ext cx="10993549" cy="1475013"/>
           </a:xfrm>
         </p:spPr>
         <p:txBody>
-          <a:bodyPr/>
+          <a:bodyPr>
+            <a:normAutofit/>
+          </a:bodyPr>
           <a:lstStyle/>
           <a:p>
             <a:r>
-              <a:rPr lang="ro-RO" dirty="0" smtClean="0"/>
+              <a:rPr lang="ro-RO" sz="2800" dirty="0" smtClean="0"/>
               <a:t>Dijkstra’s algortihm</a:t>
             </a:r>
-            <a:endParaRPr lang="ro-RO" dirty="0"/>
+            <a:endParaRPr lang="ro-RO" sz="2800" dirty="0"/>
           </a:p>
         </p:txBody>
       </p:sp>
@@ -4692,13 +4698,13 @@
         </p:nvSpPr>
         <p:spPr>
           <a:xfrm>
-            <a:off x="545125" y="1273222"/>
-            <a:ext cx="10993546" cy="590321"/>
+            <a:off x="449580" y="1189375"/>
+            <a:ext cx="11969168" cy="642709"/>
           </a:xfrm>
         </p:spPr>
         <p:txBody>
           <a:bodyPr>
-            <a:normAutofit fontScale="85000" lnSpcReduction="20000"/>
+            <a:normAutofit fontScale="55000" lnSpcReduction="20000"/>
           </a:bodyPr>
           <a:lstStyle/>
           <a:p>
@@ -4742,23 +4748,7 @@
                   <a:srgbClr val="465359"/>
                 </a:solidFill>
               </a:rPr>
-              <a:t>  												Coordinator: </a:t>
-            </a:r>
-            <a:r>
-              <a:rPr lang="en-US" dirty="0" err="1" smtClean="0">
-                <a:solidFill>
-                  <a:srgbClr val="465359"/>
-                </a:solidFill>
-              </a:rPr>
-              <a:t>Cristian</a:t>
-            </a:r>
-            <a:r>
-              <a:rPr lang="en-US" dirty="0" smtClean="0">
-                <a:solidFill>
-                  <a:srgbClr val="465359"/>
-                </a:solidFill>
-              </a:rPr>
-              <a:t> </a:t>
+              <a:t>  												Coordinator: Cristian </a:t>
             </a:r>
             <a:r>
               <a:rPr lang="en-US" dirty="0" err="1" smtClean="0">
@@ -4767,6 +4757,52 @@
                 </a:solidFill>
               </a:rPr>
               <a:t>Mihaescu</a:t>
+            </a:r>
+            <a:r>
+              <a:rPr lang="en-US" dirty="0" smtClean="0">
+                <a:solidFill>
+                  <a:srgbClr val="465359"/>
+                </a:solidFill>
+              </a:rPr>
+              <a:t>, </a:t>
+            </a:r>
+            <a:r>
+              <a:rPr lang="en-US" dirty="0" err="1" smtClean="0">
+                <a:solidFill>
+                  <a:srgbClr val="465359"/>
+                </a:solidFill>
+              </a:rPr>
+              <a:t>pHD</a:t>
+            </a:r>
+            <a:r>
+              <a:rPr lang="en-US" dirty="0" smtClean="0">
+                <a:solidFill>
+                  <a:srgbClr val="465359"/>
+                </a:solidFill>
+              </a:rPr>
+              <a:t>.</a:t>
+            </a:r>
+          </a:p>
+          <a:p>
+            <a:r>
+              <a:rPr lang="ro-RO" dirty="0"/>
+              <a:t>April, </a:t>
+            </a:r>
+            <a:r>
+              <a:rPr lang="ro-RO" dirty="0" smtClean="0"/>
+              <a:t>2014</a:t>
+            </a:r>
+            <a:r>
+              <a:rPr lang="en-US" dirty="0" smtClean="0"/>
+              <a:t>													               </a:t>
+            </a:r>
+            <a:r>
+              <a:rPr lang="ro-RO" dirty="0" smtClean="0"/>
+              <a:t>DCTI </a:t>
+            </a:r>
+            <a:r>
+              <a:rPr lang="ro-RO" dirty="0"/>
+              <a:t>– IT Companies Seminary</a:t>
             </a:r>
             <a:endParaRPr lang="ro-RO" dirty="0">
               <a:solidFill>
@@ -4786,7 +4822,7 @@
         </p:nvSpPr>
         <p:spPr>
           <a:xfrm>
-            <a:off x="413680" y="1317139"/>
+            <a:off x="492590" y="1340849"/>
             <a:ext cx="11420180" cy="3018777"/>
           </a:xfrm>
           <a:prstGeom prst="rect">
@@ -5196,20 +5232,12 @@
               <a:t>u,v</a:t>
             </a:r>
             <a:r>
-              <a:rPr lang="en-US" sz="1400" b="1" cap="none" smtClean="0">
+              <a:rPr lang="en-US" sz="1400" b="1" cap="none" dirty="0" smtClean="0">
                 <a:solidFill>
                   <a:srgbClr val="FFFFFF"/>
                 </a:solidFill>
               </a:rPr>
-              <a:t>) ) </a:t>
-            </a:r>
-            <a:r>
-              <a:rPr lang="en-US" sz="1400" b="1" cap="none" dirty="0" smtClean="0">
-                <a:solidFill>
-                  <a:srgbClr val="FFFFFF"/>
-                </a:solidFill>
-              </a:rPr>
-              <a:t>=&gt; relax edge (</a:t>
+              <a:t>) ) =&gt; relax edge (</a:t>
             </a:r>
             <a:r>
               <a:rPr lang="en-US" sz="1400" b="1" cap="none" dirty="0" err="1" smtClean="0">
@@ -22041,6 +22069,158 @@
           </a:fontRef>
         </p:style>
       </p:cxnSp>
+      <p:sp>
+        <p:nvSpPr>
+          <p:cNvPr id="5" name="TextBox 4"/>
+          <p:cNvSpPr txBox="1"/>
+          <p:nvPr/>
+        </p:nvSpPr>
+        <p:spPr>
+          <a:xfrm>
+            <a:off x="581192" y="3846786"/>
+            <a:ext cx="849913" cy="276999"/>
+          </a:xfrm>
+          <a:prstGeom prst="rect">
+            <a:avLst/>
+          </a:prstGeom>
+          <a:noFill/>
+        </p:spPr>
+        <p:txBody>
+          <a:bodyPr wrap="none" rtlCol="0">
+            <a:spAutoFit/>
+          </a:bodyPr>
+          <a:lstStyle/>
+          <a:p>
+            <a:r>
+              <a:rPr lang="en-US" sz="1200" dirty="0" smtClean="0">
+                <a:solidFill>
+                  <a:srgbClr val="969FA7"/>
+                </a:solidFill>
+              </a:rPr>
+              <a:t>Time [sec]</a:t>
+            </a:r>
+            <a:endParaRPr lang="ro-RO" sz="1200" dirty="0">
+              <a:solidFill>
+                <a:srgbClr val="969FA7"/>
+              </a:solidFill>
+            </a:endParaRPr>
+          </a:p>
+        </p:txBody>
+      </p:sp>
+      <p:sp>
+        <p:nvSpPr>
+          <p:cNvPr id="17" name="TextBox 16"/>
+          <p:cNvSpPr txBox="1"/>
+          <p:nvPr/>
+        </p:nvSpPr>
+        <p:spPr>
+          <a:xfrm>
+            <a:off x="5041412" y="6044244"/>
+            <a:ext cx="1045479" cy="276999"/>
+          </a:xfrm>
+          <a:prstGeom prst="rect">
+            <a:avLst/>
+          </a:prstGeom>
+          <a:noFill/>
+        </p:spPr>
+        <p:txBody>
+          <a:bodyPr wrap="none" rtlCol="0">
+            <a:spAutoFit/>
+          </a:bodyPr>
+          <a:lstStyle/>
+          <a:p>
+            <a:r>
+              <a:rPr lang="en-US" sz="1200" dirty="0" smtClean="0">
+                <a:solidFill>
+                  <a:srgbClr val="969FA7"/>
+                </a:solidFill>
+              </a:rPr>
+              <a:t>Input size [N]</a:t>
+            </a:r>
+            <a:endParaRPr lang="ro-RO" sz="1200" dirty="0">
+              <a:solidFill>
+                <a:srgbClr val="969FA7"/>
+              </a:solidFill>
+            </a:endParaRPr>
+          </a:p>
+        </p:txBody>
+      </p:sp>
+      <p:sp>
+        <p:nvSpPr>
+          <p:cNvPr id="18" name="TextBox 17"/>
+          <p:cNvSpPr txBox="1"/>
+          <p:nvPr/>
+        </p:nvSpPr>
+        <p:spPr>
+          <a:xfrm>
+            <a:off x="5881594" y="3762568"/>
+            <a:ext cx="849913" cy="276999"/>
+          </a:xfrm>
+          <a:prstGeom prst="rect">
+            <a:avLst/>
+          </a:prstGeom>
+          <a:noFill/>
+        </p:spPr>
+        <p:txBody>
+          <a:bodyPr wrap="none" rtlCol="0">
+            <a:spAutoFit/>
+          </a:bodyPr>
+          <a:lstStyle/>
+          <a:p>
+            <a:r>
+              <a:rPr lang="en-US" sz="1200" dirty="0" smtClean="0">
+                <a:solidFill>
+                  <a:srgbClr val="969FA7"/>
+                </a:solidFill>
+              </a:rPr>
+              <a:t>Time [sec]</a:t>
+            </a:r>
+            <a:endParaRPr lang="ro-RO" sz="1200" dirty="0">
+              <a:solidFill>
+                <a:srgbClr val="969FA7"/>
+              </a:solidFill>
+            </a:endParaRPr>
+          </a:p>
+        </p:txBody>
+      </p:sp>
+      <p:sp>
+        <p:nvSpPr>
+          <p:cNvPr id="20" name="TextBox 19"/>
+          <p:cNvSpPr txBox="1"/>
+          <p:nvPr/>
+        </p:nvSpPr>
+        <p:spPr>
+          <a:xfrm>
+            <a:off x="10343321" y="6025790"/>
+            <a:ext cx="1045479" cy="276999"/>
+          </a:xfrm>
+          <a:prstGeom prst="rect">
+            <a:avLst/>
+          </a:prstGeom>
+          <a:noFill/>
+        </p:spPr>
+        <p:txBody>
+          <a:bodyPr wrap="none" rtlCol="0">
+            <a:spAutoFit/>
+          </a:bodyPr>
+          <a:lstStyle/>
+          <a:p>
+            <a:r>
+              <a:rPr lang="en-US" sz="1200" dirty="0" smtClean="0">
+                <a:solidFill>
+                  <a:srgbClr val="969FA7"/>
+                </a:solidFill>
+              </a:rPr>
+              <a:t>Input size [N]</a:t>
+            </a:r>
+            <a:endParaRPr lang="ro-RO" sz="1200" dirty="0">
+              <a:solidFill>
+                <a:srgbClr val="969FA7"/>
+              </a:solidFill>
+            </a:endParaRPr>
+          </a:p>
+        </p:txBody>
+      </p:sp>
     </p:spTree>
     <p:extLst>
       <p:ext uri="{BB962C8B-B14F-4D97-AF65-F5344CB8AC3E}">
@@ -22094,12 +22274,12 @@
           <a:lstStyle/>
           <a:p>
             <a:r>
-              <a:rPr lang="ro-RO" dirty="0" smtClean="0">
+              <a:rPr lang="en-US" dirty="0" smtClean="0">
                 <a:solidFill>
                   <a:srgbClr val="ED8428"/>
                 </a:solidFill>
               </a:rPr>
-              <a:t>Questions?</a:t>
+              <a:t>References</a:t>
             </a:r>
             <a:endParaRPr lang="ro-RO" dirty="0">
               <a:solidFill>
@@ -22109,82 +22289,248 @@
           </a:p>
         </p:txBody>
       </p:sp>
-      <p:graphicFrame>
-        <p:nvGraphicFramePr>
-          <p:cNvPr id="4" name="Object 3"/>
-          <p:cNvGraphicFramePr>
-            <a:graphicFrameLocks noChangeAspect="1"/>
-          </p:cNvGraphicFramePr>
+      <p:sp>
+        <p:nvSpPr>
+          <p:cNvPr id="5" name="Content Placeholder 2"/>
+          <p:cNvSpPr>
+            <a:spLocks noGrp="1"/>
+          </p:cNvSpPr>
           <p:nvPr>
-            <p:extLst>
-              <p:ext uri="{D42A27DB-BD31-4B8C-83A1-F6EECF244321}">
-                <p14:modId xmlns:p14="http://schemas.microsoft.com/office/powerpoint/2010/main" val="1675172924"/>
-              </p:ext>
-            </p:extLst>
+            <p:ph idx="1"/>
           </p:nvPr>
-        </p:nvGraphicFramePr>
-        <p:xfrm>
-          <a:off x="3819525" y="2506663"/>
-          <a:ext cx="2819400" cy="2984500"/>
-        </p:xfrm>
-        <a:graphic>
-          <a:graphicData uri="http://schemas.openxmlformats.org/presentationml/2006/ole">
-            <mc:AlternateContent xmlns:mc="http://schemas.openxmlformats.org/markup-compatibility/2006">
-              <mc:Choice xmlns:v="urn:schemas-microsoft-com:vml" Requires="v">
-                <p:oleObj spid="_x0000_s3088" name="Image" r:id="rId3" imgW="2819048" imgH="2984127" progId="">
-                  <p:embed/>
-                </p:oleObj>
-              </mc:Choice>
-              <mc:Fallback>
-                <p:oleObj name="Image" r:id="rId3" imgW="2819048" imgH="2984127" progId="">
-                  <p:embed/>
-                  <p:pic>
-                    <p:nvPicPr>
-                      <p:cNvPr id="0" name="Picture 14"/>
-                      <p:cNvPicPr>
-                        <a:picLocks noChangeAspect="1" noChangeArrowheads="1"/>
-                      </p:cNvPicPr>
-                      <p:nvPr/>
-                    </p:nvPicPr>
-                    <p:blipFill>
-                      <a:blip r:embed="rId4">
-                        <a:extLst>
-                          <a:ext uri="{28A0092B-C50C-407E-A947-70E740481C1C}">
-                            <a14:useLocalDpi xmlns:a14="http://schemas.microsoft.com/office/drawing/2010/main" val="0"/>
-                          </a:ext>
-                        </a:extLst>
-                      </a:blip>
-                      <a:srcRect/>
-                      <a:stretch>
-                        <a:fillRect/>
-                      </a:stretch>
-                    </p:blipFill>
-                    <p:spPr bwMode="auto">
-                      <a:xfrm>
-                        <a:off x="3819525" y="2506663"/>
-                        <a:ext cx="2819400" cy="2984500"/>
-                      </a:xfrm>
-                      <a:prstGeom prst="rect">
-                        <a:avLst/>
-                      </a:prstGeom>
-                      <a:noFill/>
-                      <a:extLst>
-                        <a:ext uri="{909E8E84-426E-40DD-AFC4-6F175D3DCCD1}">
-                          <a14:hiddenFill xmlns:a14="http://schemas.microsoft.com/office/drawing/2010/main">
-                            <a:solidFill>
-                              <a:srgbClr val="FFFFFF"/>
-                            </a:solidFill>
-                          </a14:hiddenFill>
-                        </a:ext>
-                      </a:extLst>
-                    </p:spPr>
-                  </p:pic>
-                </p:oleObj>
-              </mc:Fallback>
-            </mc:AlternateContent>
-          </a:graphicData>
-        </a:graphic>
-      </p:graphicFrame>
+        </p:nvSpPr>
+        <p:spPr>
+          <a:xfrm>
+            <a:off x="470833" y="1537280"/>
+            <a:ext cx="11029615" cy="3678303"/>
+          </a:xfrm>
+        </p:spPr>
+        <p:txBody>
+          <a:bodyPr/>
+          <a:lstStyle/>
+          <a:p>
+            <a:r>
+              <a:rPr lang="ro-RO" dirty="0" smtClean="0"/>
+              <a:t>Sedgewick</a:t>
+            </a:r>
+            <a:r>
+              <a:rPr lang="ro-RO" dirty="0"/>
+              <a:t>, R. and Wayne, K., </a:t>
+            </a:r>
+            <a:r>
+              <a:rPr lang="ro-RO" i="1" dirty="0"/>
+              <a:t>Algorithms 4th Edition</a:t>
+            </a:r>
+            <a:r>
+              <a:rPr lang="ro-RO" dirty="0"/>
+              <a:t>, Princeton </a:t>
+            </a:r>
+            <a:r>
+              <a:rPr lang="ro-RO" dirty="0" smtClean="0"/>
+              <a:t>University</a:t>
+            </a:r>
+            <a:endParaRPr lang="en-US" dirty="0" smtClean="0"/>
+          </a:p>
+          <a:p>
+            <a:r>
+              <a:rPr lang="en-US" dirty="0" err="1" smtClean="0"/>
+              <a:t>Burdescu</a:t>
+            </a:r>
+            <a:r>
+              <a:rPr lang="en-US" dirty="0" smtClean="0"/>
+              <a:t>, D. and </a:t>
+            </a:r>
+            <a:r>
+              <a:rPr lang="en-US" dirty="0" err="1" smtClean="0"/>
+              <a:t>Mihaescu</a:t>
+            </a:r>
+            <a:r>
+              <a:rPr lang="en-US" dirty="0" smtClean="0"/>
+              <a:t>, C., </a:t>
+            </a:r>
+            <a:r>
+              <a:rPr lang="en-US" i="1" dirty="0" err="1" smtClean="0"/>
+              <a:t>Algorthims</a:t>
+            </a:r>
+            <a:r>
+              <a:rPr lang="en-US" i="1" dirty="0" smtClean="0"/>
+              <a:t> and Data Structures, </a:t>
+            </a:r>
+            <a:r>
+              <a:rPr lang="en-US" dirty="0" smtClean="0"/>
+              <a:t> </a:t>
+            </a:r>
+            <a:r>
+              <a:rPr lang="en-US" dirty="0" err="1" smtClean="0"/>
+              <a:t>Academica</a:t>
+            </a:r>
+            <a:r>
+              <a:rPr lang="en-US" dirty="0" smtClean="0"/>
+              <a:t> Greifswald</a:t>
+            </a:r>
+          </a:p>
+          <a:p>
+            <a:r>
+              <a:rPr lang="en-US" dirty="0" smtClean="0">
+                <a:hlinkClick r:id="rId2"/>
+              </a:rPr>
+              <a:t>www.Wikipedia.com</a:t>
+            </a:r>
+            <a:endParaRPr lang="en-US" dirty="0" smtClean="0"/>
+          </a:p>
+          <a:p>
+            <a:endParaRPr lang="ro-RO" dirty="0"/>
+          </a:p>
+          <a:p>
+            <a:endParaRPr lang="ro-RO" dirty="0"/>
+          </a:p>
+        </p:txBody>
+      </p:sp>
+      <p:sp>
+        <p:nvSpPr>
+          <p:cNvPr id="3" name="TextBox 2"/>
+          <p:cNvSpPr txBox="1"/>
+          <p:nvPr/>
+        </p:nvSpPr>
+        <p:spPr>
+          <a:xfrm>
+            <a:off x="581192" y="5486400"/>
+            <a:ext cx="9515618" cy="646331"/>
+          </a:xfrm>
+          <a:prstGeom prst="rect">
+            <a:avLst/>
+          </a:prstGeom>
+          <a:noFill/>
+        </p:spPr>
+        <p:txBody>
+          <a:bodyPr wrap="none" rtlCol="0">
+            <a:spAutoFit/>
+          </a:bodyPr>
+          <a:lstStyle/>
+          <a:p>
+            <a:r>
+              <a:rPr lang="ro-RO" dirty="0">
+                <a:hlinkClick r:id="rId3"/>
+              </a:rPr>
+              <a:t>https://github.com/mihaescu/ADS/tree/master/Graphs/Distances/Dijkstra%20by%20Dan%20Veronica</a:t>
+            </a:r>
+            <a:endParaRPr lang="en-US" dirty="0"/>
+          </a:p>
+          <a:p>
+            <a:endParaRPr lang="ro-RO" dirty="0"/>
+          </a:p>
+        </p:txBody>
+      </p:sp>
+      <p:sp>
+        <p:nvSpPr>
+          <p:cNvPr id="7" name="Title 1"/>
+          <p:cNvSpPr txBox="1">
+            <a:spLocks/>
+          </p:cNvSpPr>
+          <p:nvPr/>
+        </p:nvSpPr>
+        <p:spPr>
+          <a:xfrm>
+            <a:off x="470833" y="4102253"/>
+            <a:ext cx="11029616" cy="1013800"/>
+          </a:xfrm>
+          <a:prstGeom prst="rect">
+            <a:avLst/>
+          </a:prstGeom>
+        </p:spPr>
+        <p:txBody>
+          <a:bodyPr vert="horz" lIns="91440" tIns="45720" rIns="91440" bIns="45720" rtlCol="0" anchor="b">
+            <a:normAutofit/>
+          </a:bodyPr>
+          <a:lstStyle>
+            <a:lvl1pPr algn="l" defTabSz="457200" rtl="0" eaLnBrk="1" latinLnBrk="0" hangingPunct="1">
+              <a:spcBef>
+                <a:spcPct val="0"/>
+              </a:spcBef>
+              <a:buNone/>
+              <a:defRPr sz="2800" b="0" kern="1200" cap="all">
+                <a:solidFill>
+                  <a:schemeClr val="bg1"/>
+                </a:solidFill>
+                <a:latin typeface="+mj-lt"/>
+                <a:ea typeface="+mj-ea"/>
+                <a:cs typeface="+mj-cs"/>
+              </a:defRPr>
+            </a:lvl1pPr>
+            <a:lvl2pPr eaLnBrk="1" hangingPunct="1">
+              <a:defRPr>
+                <a:solidFill>
+                  <a:schemeClr val="tx2"/>
+                </a:solidFill>
+              </a:defRPr>
+            </a:lvl2pPr>
+            <a:lvl3pPr eaLnBrk="1" hangingPunct="1">
+              <a:defRPr>
+                <a:solidFill>
+                  <a:schemeClr val="tx2"/>
+                </a:solidFill>
+              </a:defRPr>
+            </a:lvl3pPr>
+            <a:lvl4pPr eaLnBrk="1" hangingPunct="1">
+              <a:defRPr>
+                <a:solidFill>
+                  <a:schemeClr val="tx2"/>
+                </a:solidFill>
+              </a:defRPr>
+            </a:lvl4pPr>
+            <a:lvl5pPr eaLnBrk="1" hangingPunct="1">
+              <a:defRPr>
+                <a:solidFill>
+                  <a:schemeClr val="tx2"/>
+                </a:solidFill>
+              </a:defRPr>
+            </a:lvl5pPr>
+            <a:lvl6pPr eaLnBrk="1" hangingPunct="1">
+              <a:defRPr>
+                <a:solidFill>
+                  <a:schemeClr val="tx2"/>
+                </a:solidFill>
+              </a:defRPr>
+            </a:lvl6pPr>
+            <a:lvl7pPr eaLnBrk="1" hangingPunct="1">
+              <a:defRPr>
+                <a:solidFill>
+                  <a:schemeClr val="tx2"/>
+                </a:solidFill>
+              </a:defRPr>
+            </a:lvl7pPr>
+            <a:lvl8pPr eaLnBrk="1" hangingPunct="1">
+              <a:defRPr>
+                <a:solidFill>
+                  <a:schemeClr val="tx2"/>
+                </a:solidFill>
+              </a:defRPr>
+            </a:lvl8pPr>
+            <a:lvl9pPr eaLnBrk="1" hangingPunct="1">
+              <a:defRPr>
+                <a:solidFill>
+                  <a:schemeClr val="tx2"/>
+                </a:solidFill>
+              </a:defRPr>
+            </a:lvl9pPr>
+          </a:lstStyle>
+          <a:p>
+            <a:r>
+              <a:rPr lang="en-US" dirty="0" smtClean="0">
+                <a:solidFill>
+                  <a:srgbClr val="ED8428"/>
+                </a:solidFill>
+              </a:rPr>
+              <a:t>Code</a:t>
+            </a:r>
+            <a:endParaRPr lang="ro-RO" dirty="0">
+              <a:solidFill>
+                <a:srgbClr val="ED8428"/>
+              </a:solidFill>
+            </a:endParaRPr>
+          </a:p>
+        </p:txBody>
+      </p:sp>
     </p:spTree>
     <p:extLst>
       <p:ext uri="{BB962C8B-B14F-4D97-AF65-F5344CB8AC3E}">
